--- a/Mockup.pptx
+++ b/Mockup.pptx
@@ -11,7 +11,7 @@
     <p:sldId id="259" r:id="rId5"/>
     <p:sldId id="261" r:id="rId6"/>
     <p:sldId id="262" r:id="rId7"/>
-    <p:sldId id="263" r:id="rId8"/>
+    <p:sldId id="264" r:id="rId8"/>
   </p:sldIdLst>
   <p:sldSz cx="12192000" cy="6858000"/>
   <p:notesSz cx="6858000" cy="9144000"/>
@@ -110,6 +110,11 @@
       </a:defRPr>
     </a:lvl9pPr>
   </p:defaultTextStyle>
+  <p:extLst>
+    <p:ext uri="{EFAFB233-063F-42B5-8137-9DF3F51BA10A}">
+      <p15:sldGuideLst xmlns:p15="http://schemas.microsoft.com/office/powerpoint/2012/main"/>
+    </p:ext>
+  </p:extLst>
 </p:presentation>
 </file>
 
@@ -262,7 +267,7 @@
           <a:p>
             <a:fld id="{A7E0D972-D9A9-44D6-8010-66AAABC79ECB}" type="datetimeFigureOut">
               <a:rPr lang="en-CH" smtClean="0"/>
-              <a:t>13/12/2022</a:t>
+              <a:t>12/20/2022</a:t>
             </a:fld>
             <a:endParaRPr lang="en-CH"/>
           </a:p>
@@ -462,7 +467,7 @@
           <a:p>
             <a:fld id="{A7E0D972-D9A9-44D6-8010-66AAABC79ECB}" type="datetimeFigureOut">
               <a:rPr lang="en-CH" smtClean="0"/>
-              <a:t>13/12/2022</a:t>
+              <a:t>12/20/2022</a:t>
             </a:fld>
             <a:endParaRPr lang="en-CH"/>
           </a:p>
@@ -672,7 +677,7 @@
           <a:p>
             <a:fld id="{A7E0D972-D9A9-44D6-8010-66AAABC79ECB}" type="datetimeFigureOut">
               <a:rPr lang="en-CH" smtClean="0"/>
-              <a:t>13/12/2022</a:t>
+              <a:t>12/20/2022</a:t>
             </a:fld>
             <a:endParaRPr lang="en-CH"/>
           </a:p>
@@ -872,7 +877,7 @@
           <a:p>
             <a:fld id="{A7E0D972-D9A9-44D6-8010-66AAABC79ECB}" type="datetimeFigureOut">
               <a:rPr lang="en-CH" smtClean="0"/>
-              <a:t>13/12/2022</a:t>
+              <a:t>12/20/2022</a:t>
             </a:fld>
             <a:endParaRPr lang="en-CH"/>
           </a:p>
@@ -1148,7 +1153,7 @@
           <a:p>
             <a:fld id="{A7E0D972-D9A9-44D6-8010-66AAABC79ECB}" type="datetimeFigureOut">
               <a:rPr lang="en-CH" smtClean="0"/>
-              <a:t>13/12/2022</a:t>
+              <a:t>12/20/2022</a:t>
             </a:fld>
             <a:endParaRPr lang="en-CH"/>
           </a:p>
@@ -1416,7 +1421,7 @@
           <a:p>
             <a:fld id="{A7E0D972-D9A9-44D6-8010-66AAABC79ECB}" type="datetimeFigureOut">
               <a:rPr lang="en-CH" smtClean="0"/>
-              <a:t>13/12/2022</a:t>
+              <a:t>12/20/2022</a:t>
             </a:fld>
             <a:endParaRPr lang="en-CH"/>
           </a:p>
@@ -1831,7 +1836,7 @@
           <a:p>
             <a:fld id="{A7E0D972-D9A9-44D6-8010-66AAABC79ECB}" type="datetimeFigureOut">
               <a:rPr lang="en-CH" smtClean="0"/>
-              <a:t>13/12/2022</a:t>
+              <a:t>12/20/2022</a:t>
             </a:fld>
             <a:endParaRPr lang="en-CH"/>
           </a:p>
@@ -1973,7 +1978,7 @@
           <a:p>
             <a:fld id="{A7E0D972-D9A9-44D6-8010-66AAABC79ECB}" type="datetimeFigureOut">
               <a:rPr lang="en-CH" smtClean="0"/>
-              <a:t>13/12/2022</a:t>
+              <a:t>12/20/2022</a:t>
             </a:fld>
             <a:endParaRPr lang="en-CH"/>
           </a:p>
@@ -2086,7 +2091,7 @@
           <a:p>
             <a:fld id="{A7E0D972-D9A9-44D6-8010-66AAABC79ECB}" type="datetimeFigureOut">
               <a:rPr lang="en-CH" smtClean="0"/>
-              <a:t>13/12/2022</a:t>
+              <a:t>12/20/2022</a:t>
             </a:fld>
             <a:endParaRPr lang="en-CH"/>
           </a:p>
@@ -2399,7 +2404,7 @@
           <a:p>
             <a:fld id="{A7E0D972-D9A9-44D6-8010-66AAABC79ECB}" type="datetimeFigureOut">
               <a:rPr lang="en-CH" smtClean="0"/>
-              <a:t>13/12/2022</a:t>
+              <a:t>12/20/2022</a:t>
             </a:fld>
             <a:endParaRPr lang="en-CH"/>
           </a:p>
@@ -2688,7 +2693,7 @@
           <a:p>
             <a:fld id="{A7E0D972-D9A9-44D6-8010-66AAABC79ECB}" type="datetimeFigureOut">
               <a:rPr lang="en-CH" smtClean="0"/>
-              <a:t>13/12/2022</a:t>
+              <a:t>12/20/2022</a:t>
             </a:fld>
             <a:endParaRPr lang="en-CH"/>
           </a:p>
@@ -2931,7 +2936,7 @@
           <a:p>
             <a:fld id="{A7E0D972-D9A9-44D6-8010-66AAABC79ECB}" type="datetimeFigureOut">
               <a:rPr lang="en-CH" smtClean="0"/>
-              <a:t>13/12/2022</a:t>
+              <a:t>12/20/2022</a:t>
             </a:fld>
             <a:endParaRPr lang="en-CH"/>
           </a:p>
@@ -7908,10 +7913,10 @@
       </p:grpSpPr>
       <p:pic>
         <p:nvPicPr>
-          <p:cNvPr id="1026" name="Picture 2" descr="Karte Der Schweiz&quot; Bilder – Durchsuchen 10 Archivfotos, Vektorgrafiken und  Videos | Adobe Stock">
-            <a:extLst>
-              <a:ext uri="{FF2B5EF4-FFF2-40B4-BE49-F238E27FC236}">
-                <a16:creationId xmlns:a16="http://schemas.microsoft.com/office/drawing/2014/main" id="{F3AD7F4D-D26D-6DB9-0E96-19C22E27CA37}"/>
+          <p:cNvPr id="2052" name="Picture 4" descr="Fahne und Wappen der Schweiz – Wikipedia">
+            <a:extLst>
+              <a:ext uri="{FF2B5EF4-FFF2-40B4-BE49-F238E27FC236}">
+                <a16:creationId xmlns:a16="http://schemas.microsoft.com/office/drawing/2014/main" id="{CA2EA4C1-CF37-9A9F-5F98-A2E07D071D24}"/>
               </a:ext>
             </a:extLst>
           </p:cNvPr>
@@ -7935,8 +7940,8 @@
         </p:blipFill>
         <p:spPr bwMode="auto">
           <a:xfrm>
-            <a:off x="1636679" y="0"/>
-            <a:ext cx="8585038" cy="5766070"/>
+            <a:off x="2667000" y="0"/>
+            <a:ext cx="6858000" cy="6858000"/>
           </a:xfrm>
           <a:prstGeom prst="rect">
             <a:avLst/>
@@ -7953,66 +7958,59 @@
           </a:extLst>
         </p:spPr>
       </p:pic>
-      <p:sp>
-        <p:nvSpPr>
-          <p:cNvPr id="4" name="Oval 3">
-            <a:extLst>
-              <a:ext uri="{FF2B5EF4-FFF2-40B4-BE49-F238E27FC236}">
-                <a16:creationId xmlns:a16="http://schemas.microsoft.com/office/drawing/2014/main" id="{55274F37-85DB-87C0-A61D-1ABA0C4DF8B0}"/>
-              </a:ext>
-            </a:extLst>
-          </p:cNvPr>
-          <p:cNvSpPr/>
-          <p:nvPr/>
-        </p:nvSpPr>
-        <p:spPr>
-          <a:xfrm>
-            <a:off x="4513634" y="4551329"/>
-            <a:ext cx="243192" cy="243192"/>
-          </a:xfrm>
-          <a:prstGeom prst="ellipse">
-            <a:avLst/>
-          </a:prstGeom>
-          <a:solidFill>
-            <a:schemeClr val="tx1"/>
-          </a:solidFill>
-          <a:ln>
-            <a:solidFill>
-              <a:schemeClr val="accent2"/>
-            </a:solidFill>
-          </a:ln>
-        </p:spPr>
-        <p:style>
-          <a:lnRef idx="2">
-            <a:schemeClr val="accent1">
-              <a:shade val="50000"/>
-            </a:schemeClr>
-          </a:lnRef>
-          <a:fillRef idx="1">
-            <a:schemeClr val="accent1"/>
-          </a:fillRef>
-          <a:effectRef idx="0">
-            <a:schemeClr val="accent1"/>
-          </a:effectRef>
-          <a:fontRef idx="minor">
-            <a:schemeClr val="lt1"/>
-          </a:fontRef>
-        </p:style>
-        <p:txBody>
-          <a:bodyPr rtlCol="0" anchor="ctr"/>
-          <a:lstStyle/>
-          <a:p>
-            <a:pPr algn="ctr"/>
-            <a:endParaRPr lang="en-CH" dirty="0"/>
-          </a:p>
-        </p:txBody>
-      </p:sp>
-      <p:sp>
-        <p:nvSpPr>
-          <p:cNvPr id="5" name="TextBox 4">
-            <a:extLst>
-              <a:ext uri="{FF2B5EF4-FFF2-40B4-BE49-F238E27FC236}">
-                <a16:creationId xmlns:a16="http://schemas.microsoft.com/office/drawing/2014/main" id="{3DD152DA-6E18-E186-2E24-72AB666B00CB}"/>
+      <p:pic>
+        <p:nvPicPr>
+          <p:cNvPr id="2054" name="Picture 6" descr="RailService SBB CFF FFS (@RailService) / Twitter">
+            <a:extLst>
+              <a:ext uri="{FF2B5EF4-FFF2-40B4-BE49-F238E27FC236}">
+                <a16:creationId xmlns:a16="http://schemas.microsoft.com/office/drawing/2014/main" id="{60B18C8C-641A-7B1A-48DA-59342DB06761}"/>
+              </a:ext>
+            </a:extLst>
+          </p:cNvPr>
+          <p:cNvPicPr>
+            <a:picLocks noChangeAspect="1" noChangeArrowheads="1"/>
+          </p:cNvPicPr>
+          <p:nvPr/>
+        </p:nvPicPr>
+        <p:blipFill>
+          <a:blip r:embed="rId3">
+            <a:extLst>
+              <a:ext uri="{28A0092B-C50C-407E-A947-70E740481C1C}">
+                <a14:useLocalDpi xmlns:a14="http://schemas.microsoft.com/office/drawing/2010/main" val="0"/>
+              </a:ext>
+            </a:extLst>
+          </a:blip>
+          <a:srcRect/>
+          <a:stretch>
+            <a:fillRect/>
+          </a:stretch>
+        </p:blipFill>
+        <p:spPr bwMode="auto">
+          <a:xfrm>
+            <a:off x="2666999" y="0"/>
+            <a:ext cx="6858000" cy="6858000"/>
+          </a:xfrm>
+          <a:prstGeom prst="rect">
+            <a:avLst/>
+          </a:prstGeom>
+          <a:noFill/>
+          <a:extLst>
+            <a:ext uri="{909E8E84-426E-40DD-AFC4-6F175D3DCCD1}">
+              <a14:hiddenFill xmlns:a14="http://schemas.microsoft.com/office/drawing/2010/main">
+                <a:solidFill>
+                  <a:srgbClr val="FFFFFF"/>
+                </a:solidFill>
+              </a14:hiddenFill>
+            </a:ext>
+          </a:extLst>
+        </p:spPr>
+      </p:pic>
+      <p:sp>
+        <p:nvSpPr>
+          <p:cNvPr id="4" name="TextBox 3">
+            <a:extLst>
+              <a:ext uri="{FF2B5EF4-FFF2-40B4-BE49-F238E27FC236}">
+                <a16:creationId xmlns:a16="http://schemas.microsoft.com/office/drawing/2014/main" id="{8D26E175-941F-BC94-9B38-AE7478BDBE80}"/>
               </a:ext>
             </a:extLst>
           </p:cNvPr>
@@ -8021,8 +8019,8 @@
         </p:nvSpPr>
         <p:spPr>
           <a:xfrm>
-            <a:off x="4234318" y="4794521"/>
-            <a:ext cx="801823" cy="369332"/>
+            <a:off x="3507214" y="398833"/>
+            <a:ext cx="5177571" cy="523220"/>
           </a:xfrm>
           <a:prstGeom prst="rect">
             <a:avLst/>
@@ -8036,459 +8034,14 @@
           <a:lstStyle/>
           <a:p>
             <a:r>
-              <a:rPr lang="en-US" dirty="0" err="1"/>
-              <a:t>Waadt</a:t>
-            </a:r>
-            <a:endParaRPr lang="en-CH" dirty="0"/>
-          </a:p>
-        </p:txBody>
-      </p:sp>
-      <p:sp>
-        <p:nvSpPr>
-          <p:cNvPr id="8" name="Oval 7">
-            <a:extLst>
-              <a:ext uri="{FF2B5EF4-FFF2-40B4-BE49-F238E27FC236}">
-                <a16:creationId xmlns:a16="http://schemas.microsoft.com/office/drawing/2014/main" id="{B21AE5B8-6D3E-D18D-60C1-363B5B103EC6}"/>
-              </a:ext>
-            </a:extLst>
-          </p:cNvPr>
-          <p:cNvSpPr/>
-          <p:nvPr/>
-        </p:nvSpPr>
-        <p:spPr>
-          <a:xfrm>
-            <a:off x="6553200" y="1620061"/>
-            <a:ext cx="243192" cy="243192"/>
-          </a:xfrm>
-          <a:prstGeom prst="ellipse">
-            <a:avLst/>
-          </a:prstGeom>
-          <a:solidFill>
-            <a:schemeClr val="tx1"/>
-          </a:solidFill>
-          <a:ln>
-            <a:solidFill>
-              <a:schemeClr val="accent2"/>
-            </a:solidFill>
-          </a:ln>
-        </p:spPr>
-        <p:style>
-          <a:lnRef idx="2">
-            <a:schemeClr val="accent1">
-              <a:shade val="50000"/>
-            </a:schemeClr>
-          </a:lnRef>
-          <a:fillRef idx="1">
-            <a:schemeClr val="accent1"/>
-          </a:fillRef>
-          <a:effectRef idx="0">
-            <a:schemeClr val="accent1"/>
-          </a:effectRef>
-          <a:fontRef idx="minor">
-            <a:schemeClr val="lt1"/>
-          </a:fontRef>
-        </p:style>
-        <p:txBody>
-          <a:bodyPr rtlCol="0" anchor="ctr"/>
-          <a:lstStyle/>
-          <a:p>
-            <a:pPr algn="ctr"/>
-            <a:endParaRPr lang="en-CH" dirty="0"/>
-          </a:p>
-        </p:txBody>
-      </p:sp>
-      <p:sp>
-        <p:nvSpPr>
-          <p:cNvPr id="9" name="TextBox 8">
-            <a:extLst>
-              <a:ext uri="{FF2B5EF4-FFF2-40B4-BE49-F238E27FC236}">
-                <a16:creationId xmlns:a16="http://schemas.microsoft.com/office/drawing/2014/main" id="{71529E95-4F8B-EF8B-F34B-4FCEA8D18867}"/>
-              </a:ext>
-            </a:extLst>
-          </p:cNvPr>
-          <p:cNvSpPr txBox="1"/>
-          <p:nvPr/>
-        </p:nvSpPr>
-        <p:spPr>
-          <a:xfrm>
-            <a:off x="6273884" y="1863253"/>
-            <a:ext cx="766557" cy="369332"/>
-          </a:xfrm>
-          <a:prstGeom prst="rect">
-            <a:avLst/>
-          </a:prstGeom>
-          <a:noFill/>
-        </p:spPr>
-        <p:txBody>
-          <a:bodyPr wrap="none" rtlCol="0">
-            <a:spAutoFit/>
-          </a:bodyPr>
-          <a:lstStyle/>
-          <a:p>
-            <a:r>
-              <a:rPr lang="en-US" dirty="0"/>
-              <a:t>Zürich</a:t>
-            </a:r>
-            <a:endParaRPr lang="en-CH" dirty="0"/>
-          </a:p>
-        </p:txBody>
-      </p:sp>
-      <p:sp>
-        <p:nvSpPr>
-          <p:cNvPr id="12" name="Oval 11">
-            <a:extLst>
-              <a:ext uri="{FF2B5EF4-FFF2-40B4-BE49-F238E27FC236}">
-                <a16:creationId xmlns:a16="http://schemas.microsoft.com/office/drawing/2014/main" id="{D083A29C-8B8F-C0E1-0394-6B9107A69572}"/>
-              </a:ext>
-            </a:extLst>
-          </p:cNvPr>
-          <p:cNvSpPr/>
-          <p:nvPr/>
-        </p:nvSpPr>
-        <p:spPr>
-          <a:xfrm>
-            <a:off x="5132961" y="1989393"/>
-            <a:ext cx="243192" cy="243192"/>
-          </a:xfrm>
-          <a:prstGeom prst="ellipse">
-            <a:avLst/>
-          </a:prstGeom>
-          <a:solidFill>
-            <a:schemeClr val="tx1"/>
-          </a:solidFill>
-          <a:ln>
-            <a:solidFill>
-              <a:schemeClr val="accent2"/>
-            </a:solidFill>
-          </a:ln>
-        </p:spPr>
-        <p:style>
-          <a:lnRef idx="2">
-            <a:schemeClr val="accent1">
-              <a:shade val="50000"/>
-            </a:schemeClr>
-          </a:lnRef>
-          <a:fillRef idx="1">
-            <a:schemeClr val="accent1"/>
-          </a:fillRef>
-          <a:effectRef idx="0">
-            <a:schemeClr val="accent1"/>
-          </a:effectRef>
-          <a:fontRef idx="minor">
-            <a:schemeClr val="lt1"/>
-          </a:fontRef>
-        </p:style>
-        <p:txBody>
-          <a:bodyPr rtlCol="0" anchor="ctr"/>
-          <a:lstStyle/>
-          <a:p>
-            <a:pPr algn="ctr"/>
-            <a:endParaRPr lang="en-CH" dirty="0"/>
-          </a:p>
-        </p:txBody>
-      </p:sp>
-      <p:sp>
-        <p:nvSpPr>
-          <p:cNvPr id="13" name="TextBox 12">
-            <a:extLst>
-              <a:ext uri="{FF2B5EF4-FFF2-40B4-BE49-F238E27FC236}">
-                <a16:creationId xmlns:a16="http://schemas.microsoft.com/office/drawing/2014/main" id="{5E183E45-E0E5-1250-4938-874587F850FE}"/>
-              </a:ext>
-            </a:extLst>
-          </p:cNvPr>
-          <p:cNvSpPr txBox="1"/>
-          <p:nvPr/>
-        </p:nvSpPr>
-        <p:spPr>
-          <a:xfrm>
-            <a:off x="4853645" y="2232585"/>
-            <a:ext cx="627095" cy="369332"/>
-          </a:xfrm>
-          <a:prstGeom prst="rect">
-            <a:avLst/>
-          </a:prstGeom>
-          <a:noFill/>
-        </p:spPr>
-        <p:txBody>
-          <a:bodyPr wrap="none" rtlCol="0">
-            <a:spAutoFit/>
-          </a:bodyPr>
-          <a:lstStyle/>
-          <a:p>
-            <a:r>
-              <a:rPr lang="en-US" dirty="0"/>
-              <a:t>Bern</a:t>
-            </a:r>
-            <a:endParaRPr lang="en-CH" dirty="0"/>
-          </a:p>
-        </p:txBody>
-      </p:sp>
-      <p:sp>
-        <p:nvSpPr>
-          <p:cNvPr id="18" name="Oval 17">
-            <a:extLst>
-              <a:ext uri="{FF2B5EF4-FFF2-40B4-BE49-F238E27FC236}">
-                <a16:creationId xmlns:a16="http://schemas.microsoft.com/office/drawing/2014/main" id="{2FCFF80E-9ACE-7D4A-9A04-E4E68D4E94D2}"/>
-              </a:ext>
-            </a:extLst>
-          </p:cNvPr>
-          <p:cNvSpPr/>
-          <p:nvPr/>
-        </p:nvSpPr>
-        <p:spPr>
-          <a:xfrm>
-            <a:off x="2273333" y="4366663"/>
-            <a:ext cx="243192" cy="243192"/>
-          </a:xfrm>
-          <a:prstGeom prst="ellipse">
-            <a:avLst/>
-          </a:prstGeom>
-          <a:solidFill>
-            <a:schemeClr val="tx1"/>
-          </a:solidFill>
-          <a:ln>
-            <a:solidFill>
-              <a:schemeClr val="accent2"/>
-            </a:solidFill>
-          </a:ln>
-        </p:spPr>
-        <p:style>
-          <a:lnRef idx="2">
-            <a:schemeClr val="accent1">
-              <a:shade val="50000"/>
-            </a:schemeClr>
-          </a:lnRef>
-          <a:fillRef idx="1">
-            <a:schemeClr val="accent1"/>
-          </a:fillRef>
-          <a:effectRef idx="0">
-            <a:schemeClr val="accent1"/>
-          </a:effectRef>
-          <a:fontRef idx="minor">
-            <a:schemeClr val="lt1"/>
-          </a:fontRef>
-        </p:style>
-        <p:txBody>
-          <a:bodyPr rtlCol="0" anchor="ctr"/>
-          <a:lstStyle/>
-          <a:p>
-            <a:pPr algn="ctr"/>
-            <a:endParaRPr lang="en-CH" dirty="0"/>
-          </a:p>
-        </p:txBody>
-      </p:sp>
-      <p:sp>
-        <p:nvSpPr>
-          <p:cNvPr id="19" name="TextBox 18">
-            <a:extLst>
-              <a:ext uri="{FF2B5EF4-FFF2-40B4-BE49-F238E27FC236}">
-                <a16:creationId xmlns:a16="http://schemas.microsoft.com/office/drawing/2014/main" id="{52CAC9A7-CED1-3297-0AE4-BA26B296D6A8}"/>
-              </a:ext>
-            </a:extLst>
-          </p:cNvPr>
-          <p:cNvSpPr txBox="1"/>
-          <p:nvPr/>
-        </p:nvSpPr>
-        <p:spPr>
-          <a:xfrm>
-            <a:off x="1994017" y="4609855"/>
-            <a:ext cx="636969" cy="369332"/>
-          </a:xfrm>
-          <a:prstGeom prst="rect">
-            <a:avLst/>
-          </a:prstGeom>
-          <a:noFill/>
-        </p:spPr>
-        <p:txBody>
-          <a:bodyPr wrap="none" rtlCol="0">
-            <a:spAutoFit/>
-          </a:bodyPr>
-          <a:lstStyle/>
-          <a:p>
-            <a:r>
-              <a:rPr lang="en-US" dirty="0" err="1"/>
-              <a:t>Genf</a:t>
-            </a:r>
-            <a:endParaRPr lang="en-CH" dirty="0"/>
-          </a:p>
-        </p:txBody>
-      </p:sp>
-      <p:sp>
-        <p:nvSpPr>
-          <p:cNvPr id="20" name="Oval 19">
-            <a:extLst>
-              <a:ext uri="{FF2B5EF4-FFF2-40B4-BE49-F238E27FC236}">
-                <a16:creationId xmlns:a16="http://schemas.microsoft.com/office/drawing/2014/main" id="{722D51C1-0383-7275-7D7C-0A1DA452013F}"/>
-              </a:ext>
-            </a:extLst>
-          </p:cNvPr>
-          <p:cNvSpPr/>
-          <p:nvPr/>
-        </p:nvSpPr>
-        <p:spPr>
-          <a:xfrm>
-            <a:off x="8547370" y="3079210"/>
-            <a:ext cx="243192" cy="243192"/>
-          </a:xfrm>
-          <a:prstGeom prst="ellipse">
-            <a:avLst/>
-          </a:prstGeom>
-          <a:solidFill>
-            <a:schemeClr val="tx1"/>
-          </a:solidFill>
-          <a:ln>
-            <a:solidFill>
-              <a:schemeClr val="accent2"/>
-            </a:solidFill>
-          </a:ln>
-        </p:spPr>
-        <p:style>
-          <a:lnRef idx="2">
-            <a:schemeClr val="accent1">
-              <a:shade val="50000"/>
-            </a:schemeClr>
-          </a:lnRef>
-          <a:fillRef idx="1">
-            <a:schemeClr val="accent1"/>
-          </a:fillRef>
-          <a:effectRef idx="0">
-            <a:schemeClr val="accent1"/>
-          </a:effectRef>
-          <a:fontRef idx="minor">
-            <a:schemeClr val="lt1"/>
-          </a:fontRef>
-        </p:style>
-        <p:txBody>
-          <a:bodyPr rtlCol="0" anchor="ctr"/>
-          <a:lstStyle/>
-          <a:p>
-            <a:pPr algn="ctr"/>
-            <a:endParaRPr lang="en-CH" dirty="0"/>
-          </a:p>
-        </p:txBody>
-      </p:sp>
-      <p:sp>
-        <p:nvSpPr>
-          <p:cNvPr id="21" name="TextBox 20">
-            <a:extLst>
-              <a:ext uri="{FF2B5EF4-FFF2-40B4-BE49-F238E27FC236}">
-                <a16:creationId xmlns:a16="http://schemas.microsoft.com/office/drawing/2014/main" id="{9E7C4D0D-F7A9-5D45-F0B9-3963D916C155}"/>
-              </a:ext>
-            </a:extLst>
-          </p:cNvPr>
-          <p:cNvSpPr txBox="1"/>
-          <p:nvPr/>
-        </p:nvSpPr>
-        <p:spPr>
-          <a:xfrm>
-            <a:off x="8268054" y="3322402"/>
-            <a:ext cx="631904" cy="369332"/>
-          </a:xfrm>
-          <a:prstGeom prst="rect">
-            <a:avLst/>
-          </a:prstGeom>
-          <a:noFill/>
-        </p:spPr>
-        <p:txBody>
-          <a:bodyPr wrap="none" rtlCol="0">
-            <a:spAutoFit/>
-          </a:bodyPr>
-          <a:lstStyle/>
-          <a:p>
-            <a:r>
-              <a:rPr lang="en-US" dirty="0"/>
-              <a:t>Chur</a:t>
-            </a:r>
-            <a:endParaRPr lang="en-CH" dirty="0"/>
-          </a:p>
-        </p:txBody>
-      </p:sp>
-      <p:sp>
-        <p:nvSpPr>
-          <p:cNvPr id="22" name="Rectangle 21">
-            <a:extLst>
-              <a:ext uri="{FF2B5EF4-FFF2-40B4-BE49-F238E27FC236}">
-                <a16:creationId xmlns:a16="http://schemas.microsoft.com/office/drawing/2014/main" id="{D53E8D94-8BE2-7461-AC0F-FF975AA063AC}"/>
-              </a:ext>
-            </a:extLst>
-          </p:cNvPr>
-          <p:cNvSpPr/>
-          <p:nvPr/>
-        </p:nvSpPr>
-        <p:spPr>
-          <a:xfrm>
-            <a:off x="0" y="5884338"/>
-            <a:ext cx="12192000" cy="973662"/>
-          </a:xfrm>
-          <a:prstGeom prst="rect">
-            <a:avLst/>
-          </a:prstGeom>
-          <a:solidFill>
-            <a:srgbClr val="FF0000"/>
-          </a:solidFill>
-        </p:spPr>
-        <p:style>
-          <a:lnRef idx="2">
-            <a:schemeClr val="accent1">
-              <a:shade val="50000"/>
-            </a:schemeClr>
-          </a:lnRef>
-          <a:fillRef idx="1">
-            <a:schemeClr val="accent1"/>
-          </a:fillRef>
-          <a:effectRef idx="0">
-            <a:schemeClr val="accent1"/>
-          </a:effectRef>
-          <a:fontRef idx="minor">
-            <a:schemeClr val="lt1"/>
-          </a:fontRef>
-        </p:style>
-        <p:txBody>
-          <a:bodyPr rtlCol="0" anchor="ctr"/>
-          <a:lstStyle/>
-          <a:p>
-            <a:pPr algn="ctr"/>
-            <a:endParaRPr lang="en-CH" dirty="0"/>
-          </a:p>
-        </p:txBody>
-      </p:sp>
-      <p:sp>
-        <p:nvSpPr>
-          <p:cNvPr id="23" name="TextBox 22">
-            <a:extLst>
-              <a:ext uri="{FF2B5EF4-FFF2-40B4-BE49-F238E27FC236}">
-                <a16:creationId xmlns:a16="http://schemas.microsoft.com/office/drawing/2014/main" id="{CECF1B06-D694-3A07-F1DC-42D84AEB900F}"/>
-              </a:ext>
-            </a:extLst>
-          </p:cNvPr>
-          <p:cNvSpPr txBox="1"/>
-          <p:nvPr/>
-        </p:nvSpPr>
-        <p:spPr>
-          <a:xfrm>
-            <a:off x="10221717" y="6186503"/>
-            <a:ext cx="1556388" cy="369332"/>
-          </a:xfrm>
-          <a:prstGeom prst="rect">
-            <a:avLst/>
-          </a:prstGeom>
-          <a:noFill/>
-        </p:spPr>
-        <p:txBody>
-          <a:bodyPr wrap="none" rtlCol="0">
-            <a:spAutoFit/>
-          </a:bodyPr>
-          <a:lstStyle/>
-          <a:p>
-            <a:r>
-              <a:rPr lang="en-US" dirty="0">
+              <a:rPr lang="en-US" sz="2800" dirty="0">
                 <a:solidFill>
                   <a:schemeClr val="bg1"/>
                 </a:solidFill>
               </a:rPr>
-              <a:t>SCORE: 540km</a:t>
-            </a:r>
-            <a:endParaRPr lang="en-CH" dirty="0">
+              <a:t>The totally accurate SBB Simulator</a:t>
+            </a:r>
+            <a:endParaRPr lang="en-CH" sz="2800" dirty="0">
               <a:solidFill>
                 <a:schemeClr val="bg1"/>
               </a:solidFill>
@@ -8498,314 +8051,10 @@
       </p:sp>
       <p:sp>
         <p:nvSpPr>
-          <p:cNvPr id="25" name="TextBox 24">
-            <a:extLst>
-              <a:ext uri="{FF2B5EF4-FFF2-40B4-BE49-F238E27FC236}">
-                <a16:creationId xmlns:a16="http://schemas.microsoft.com/office/drawing/2014/main" id="{D2063E46-CFB9-B741-5EFD-BED69F22C931}"/>
-              </a:ext>
-            </a:extLst>
-          </p:cNvPr>
-          <p:cNvSpPr txBox="1"/>
-          <p:nvPr/>
-        </p:nvSpPr>
-        <p:spPr>
-          <a:xfrm>
-            <a:off x="160075" y="6197159"/>
-            <a:ext cx="749885" cy="369332"/>
-          </a:xfrm>
-          <a:prstGeom prst="rect">
-            <a:avLst/>
-          </a:prstGeom>
-          <a:noFill/>
-        </p:spPr>
-        <p:txBody>
-          <a:bodyPr wrap="none" rtlCol="0">
-            <a:spAutoFit/>
-          </a:bodyPr>
-          <a:lstStyle/>
-          <a:p>
-            <a:r>
-              <a:rPr lang="en-US" u="sng" dirty="0">
-                <a:solidFill>
-                  <a:schemeClr val="bg1"/>
-                </a:solidFill>
-              </a:rPr>
-              <a:t>RESET</a:t>
-            </a:r>
-            <a:endParaRPr lang="en-CH" u="sng" dirty="0">
-              <a:solidFill>
-                <a:schemeClr val="bg1"/>
-              </a:solidFill>
-            </a:endParaRPr>
-          </a:p>
-        </p:txBody>
-      </p:sp>
-      <p:sp>
-        <p:nvSpPr>
-          <p:cNvPr id="26" name="TextBox 25">
-            <a:extLst>
-              <a:ext uri="{FF2B5EF4-FFF2-40B4-BE49-F238E27FC236}">
-                <a16:creationId xmlns:a16="http://schemas.microsoft.com/office/drawing/2014/main" id="{8BEF565C-C749-A8D9-EA9A-9F48C8CAC11A}"/>
-              </a:ext>
-            </a:extLst>
-          </p:cNvPr>
-          <p:cNvSpPr txBox="1"/>
-          <p:nvPr/>
-        </p:nvSpPr>
-        <p:spPr>
-          <a:xfrm>
-            <a:off x="944431" y="6199016"/>
-            <a:ext cx="776175" cy="369332"/>
-          </a:xfrm>
-          <a:prstGeom prst="rect">
-            <a:avLst/>
-          </a:prstGeom>
-          <a:noFill/>
-        </p:spPr>
-        <p:txBody>
-          <a:bodyPr wrap="none" rtlCol="0">
-            <a:spAutoFit/>
-          </a:bodyPr>
-          <a:lstStyle/>
-          <a:p>
-            <a:r>
-              <a:rPr lang="en-US" u="sng" dirty="0">
-                <a:solidFill>
-                  <a:schemeClr val="bg1"/>
-                </a:solidFill>
-              </a:rPr>
-              <a:t>UNDO</a:t>
-            </a:r>
-            <a:endParaRPr lang="en-CH" u="sng" dirty="0">
-              <a:solidFill>
-                <a:schemeClr val="bg1"/>
-              </a:solidFill>
-            </a:endParaRPr>
-          </a:p>
-        </p:txBody>
-      </p:sp>
-      <p:cxnSp>
-        <p:nvCxnSpPr>
-          <p:cNvPr id="3" name="Straight Connector 2">
-            <a:extLst>
-              <a:ext uri="{FF2B5EF4-FFF2-40B4-BE49-F238E27FC236}">
-                <a16:creationId xmlns:a16="http://schemas.microsoft.com/office/drawing/2014/main" id="{AE1909DB-4583-98F2-9FEE-0D86DC373C1D}"/>
-              </a:ext>
-            </a:extLst>
-          </p:cNvPr>
-          <p:cNvCxnSpPr>
-            <a:stCxn id="4" idx="0"/>
-            <a:endCxn id="12" idx="4"/>
-          </p:cNvCxnSpPr>
-          <p:nvPr/>
-        </p:nvCxnSpPr>
-        <p:spPr>
-          <a:xfrm flipV="1">
-            <a:off x="4635230" y="2232585"/>
-            <a:ext cx="619327" cy="2318744"/>
-          </a:xfrm>
-          <a:prstGeom prst="line">
-            <a:avLst/>
-          </a:prstGeom>
-          <a:ln w="76200">
-            <a:solidFill>
-              <a:srgbClr val="00B050"/>
-            </a:solidFill>
-          </a:ln>
-        </p:spPr>
-        <p:style>
-          <a:lnRef idx="1">
-            <a:schemeClr val="accent1"/>
-          </a:lnRef>
-          <a:fillRef idx="0">
-            <a:schemeClr val="accent1"/>
-          </a:fillRef>
-          <a:effectRef idx="0">
-            <a:schemeClr val="accent1"/>
-          </a:effectRef>
-          <a:fontRef idx="minor">
-            <a:schemeClr val="tx1"/>
-          </a:fontRef>
-        </p:style>
-      </p:cxnSp>
-      <p:cxnSp>
-        <p:nvCxnSpPr>
-          <p:cNvPr id="6" name="Straight Connector 5">
-            <a:extLst>
-              <a:ext uri="{FF2B5EF4-FFF2-40B4-BE49-F238E27FC236}">
-                <a16:creationId xmlns:a16="http://schemas.microsoft.com/office/drawing/2014/main" id="{15363EEE-8DC3-8D50-5E2C-20E3A23CCAB6}"/>
-              </a:ext>
-            </a:extLst>
-          </p:cNvPr>
-          <p:cNvCxnSpPr>
-            <a:cxnSpLocks/>
-            <a:endCxn id="4" idx="2"/>
-          </p:cNvCxnSpPr>
-          <p:nvPr/>
-        </p:nvCxnSpPr>
-        <p:spPr>
-          <a:xfrm>
-            <a:off x="2417906" y="4429733"/>
-            <a:ext cx="2095728" cy="243192"/>
-          </a:xfrm>
-          <a:prstGeom prst="line">
-            <a:avLst/>
-          </a:prstGeom>
-          <a:ln w="76200">
-            <a:solidFill>
-              <a:srgbClr val="00B050"/>
-            </a:solidFill>
-          </a:ln>
-        </p:spPr>
-        <p:style>
-          <a:lnRef idx="1">
-            <a:schemeClr val="accent1"/>
-          </a:lnRef>
-          <a:fillRef idx="0">
-            <a:schemeClr val="accent1"/>
-          </a:fillRef>
-          <a:effectRef idx="0">
-            <a:schemeClr val="accent1"/>
-          </a:effectRef>
-          <a:fontRef idx="minor">
-            <a:schemeClr val="tx1"/>
-          </a:fontRef>
-        </p:style>
-      </p:cxnSp>
-      <p:cxnSp>
-        <p:nvCxnSpPr>
-          <p:cNvPr id="10" name="Straight Connector 9">
-            <a:extLst>
-              <a:ext uri="{FF2B5EF4-FFF2-40B4-BE49-F238E27FC236}">
-                <a16:creationId xmlns:a16="http://schemas.microsoft.com/office/drawing/2014/main" id="{2F24B7DA-DF82-32D1-6B16-3D0274739650}"/>
-              </a:ext>
-            </a:extLst>
-          </p:cNvPr>
-          <p:cNvCxnSpPr>
-            <a:cxnSpLocks/>
-            <a:endCxn id="8" idx="3"/>
-          </p:cNvCxnSpPr>
-          <p:nvPr/>
-        </p:nvCxnSpPr>
-        <p:spPr>
-          <a:xfrm flipV="1">
-            <a:off x="5249942" y="1827638"/>
-            <a:ext cx="1338873" cy="326431"/>
-          </a:xfrm>
-          <a:prstGeom prst="line">
-            <a:avLst/>
-          </a:prstGeom>
-          <a:ln w="76200">
-            <a:solidFill>
-              <a:srgbClr val="00B050"/>
-            </a:solidFill>
-          </a:ln>
-        </p:spPr>
-        <p:style>
-          <a:lnRef idx="1">
-            <a:schemeClr val="accent1"/>
-          </a:lnRef>
-          <a:fillRef idx="0">
-            <a:schemeClr val="accent1"/>
-          </a:fillRef>
-          <a:effectRef idx="0">
-            <a:schemeClr val="accent1"/>
-          </a:effectRef>
-          <a:fontRef idx="minor">
-            <a:schemeClr val="tx1"/>
-          </a:fontRef>
-        </p:style>
-      </p:cxnSp>
-      <p:pic>
-        <p:nvPicPr>
-          <p:cNvPr id="2" name="Graphic 1" descr="Cursor with solid fill">
-            <a:extLst>
-              <a:ext uri="{FF2B5EF4-FFF2-40B4-BE49-F238E27FC236}">
-                <a16:creationId xmlns:a16="http://schemas.microsoft.com/office/drawing/2014/main" id="{1FE656F3-4C61-6DB8-A0E4-DD3DC1A38498}"/>
-              </a:ext>
-            </a:extLst>
-          </p:cNvPr>
-          <p:cNvPicPr>
-            <a:picLocks noChangeAspect="1"/>
-          </p:cNvPicPr>
-          <p:nvPr/>
-        </p:nvPicPr>
-        <p:blipFill>
-          <a:blip r:embed="rId3">
-            <a:extLst>
-              <a:ext uri="{28A0092B-C50C-407E-A947-70E740481C1C}">
-                <a14:useLocalDpi xmlns:a14="http://schemas.microsoft.com/office/drawing/2010/main" val="0"/>
-              </a:ext>
-              <a:ext uri="{96DAC541-7B7A-43D3-8B79-37D633B846F1}">
-                <asvg:svgBlip xmlns:asvg="http://schemas.microsoft.com/office/drawing/2016/SVG/main" r:embed="rId4"/>
-              </a:ext>
-            </a:extLst>
-          </a:blip>
-          <a:stretch>
-            <a:fillRect/>
-          </a:stretch>
-        </p:blipFill>
-        <p:spPr>
-          <a:xfrm>
-            <a:off x="8668966" y="3118880"/>
-            <a:ext cx="914400" cy="914400"/>
-          </a:xfrm>
-          <a:prstGeom prst="rect">
-            <a:avLst/>
-          </a:prstGeom>
-        </p:spPr>
-      </p:pic>
-      <p:cxnSp>
-        <p:nvCxnSpPr>
-          <p:cNvPr id="7" name="Straight Connector 6">
-            <a:extLst>
-              <a:ext uri="{FF2B5EF4-FFF2-40B4-BE49-F238E27FC236}">
-                <a16:creationId xmlns:a16="http://schemas.microsoft.com/office/drawing/2014/main" id="{D9102EAA-E65C-8190-F98E-78E1DA85E92F}"/>
-              </a:ext>
-            </a:extLst>
-          </p:cNvPr>
-          <p:cNvCxnSpPr>
-            <a:cxnSpLocks/>
-            <a:stCxn id="8" idx="5"/>
-            <a:endCxn id="20" idx="1"/>
-          </p:cNvCxnSpPr>
-          <p:nvPr/>
-        </p:nvCxnSpPr>
-        <p:spPr>
-          <a:xfrm>
-            <a:off x="6760777" y="1827638"/>
-            <a:ext cx="1822208" cy="1287187"/>
-          </a:xfrm>
-          <a:prstGeom prst="line">
-            <a:avLst/>
-          </a:prstGeom>
-          <a:ln w="76200">
-            <a:solidFill>
-              <a:srgbClr val="00B050"/>
-            </a:solidFill>
-          </a:ln>
-        </p:spPr>
-        <p:style>
-          <a:lnRef idx="1">
-            <a:schemeClr val="accent1"/>
-          </a:lnRef>
-          <a:fillRef idx="0">
-            <a:schemeClr val="accent1"/>
-          </a:fillRef>
-          <a:effectRef idx="0">
-            <a:schemeClr val="accent1"/>
-          </a:effectRef>
-          <a:fontRef idx="minor">
-            <a:schemeClr val="tx1"/>
-          </a:fontRef>
-        </p:style>
-      </p:cxnSp>
-      <p:sp>
-        <p:nvSpPr>
-          <p:cNvPr id="11" name="Rectangle 10">
-            <a:extLst>
-              <a:ext uri="{FF2B5EF4-FFF2-40B4-BE49-F238E27FC236}">
-                <a16:creationId xmlns:a16="http://schemas.microsoft.com/office/drawing/2014/main" id="{416AF15D-93D3-13F9-6C80-0A2C2A984529}"/>
+          <p:cNvPr id="5" name="Rectangle 4">
+            <a:extLst>
+              <a:ext uri="{FF2B5EF4-FFF2-40B4-BE49-F238E27FC236}">
+                <a16:creationId xmlns:a16="http://schemas.microsoft.com/office/drawing/2014/main" id="{B4F58752-683C-875A-E1AC-EB5F3ECD6DBB}"/>
               </a:ext>
             </a:extLst>
           </p:cNvPr>
@@ -8814,8 +8063,8 @@
         </p:nvSpPr>
         <p:spPr>
           <a:xfrm>
-            <a:off x="2051915" y="2624683"/>
-            <a:ext cx="7754566" cy="973662"/>
+            <a:off x="4056434" y="5982511"/>
+            <a:ext cx="4221804" cy="661480"/>
           </a:xfrm>
           <a:prstGeom prst="rect">
             <a:avLst/>
@@ -8823,13 +8072,13 @@
         </p:spPr>
         <p:style>
           <a:lnRef idx="2">
-            <a:schemeClr val="dk1"/>
+            <a:schemeClr val="accent6"/>
           </a:lnRef>
           <a:fillRef idx="1">
             <a:schemeClr val="lt1"/>
           </a:fillRef>
           <a:effectRef idx="0">
-            <a:schemeClr val="dk1"/>
+            <a:schemeClr val="accent6"/>
           </a:effectRef>
           <a:fontRef idx="minor">
             <a:schemeClr val="dk1"/>
@@ -8846,7 +8095,7 @@
                   <a:srgbClr val="FF0000"/>
                 </a:solidFill>
               </a:rPr>
-              <a:t>Final Score 540km</a:t>
+              <a:t>Highscore: 500km</a:t>
             </a:r>
             <a:endParaRPr lang="en-CH" sz="3200" dirty="0">
               <a:solidFill>
@@ -8858,10 +8107,10 @@
       </p:sp>
       <p:sp>
         <p:nvSpPr>
-          <p:cNvPr id="14" name="Oval 13">
-            <a:extLst>
-              <a:ext uri="{FF2B5EF4-FFF2-40B4-BE49-F238E27FC236}">
-                <a16:creationId xmlns:a16="http://schemas.microsoft.com/office/drawing/2014/main" id="{F75E1009-773D-2627-D59D-E8F98C8C0D23}"/>
+          <p:cNvPr id="6" name="Oval 5">
+            <a:extLst>
+              <a:ext uri="{FF2B5EF4-FFF2-40B4-BE49-F238E27FC236}">
+                <a16:creationId xmlns:a16="http://schemas.microsoft.com/office/drawing/2014/main" id="{2E4AC7BF-6807-01A7-C6A5-6ADAE13D651D}"/>
               </a:ext>
             </a:extLst>
           </p:cNvPr>
@@ -8904,10 +8153,70 @@
           </a:p>
         </p:txBody>
       </p:sp>
+      <p:sp>
+        <p:nvSpPr>
+          <p:cNvPr id="2" name="Rectangle 1">
+            <a:extLst>
+              <a:ext uri="{FF2B5EF4-FFF2-40B4-BE49-F238E27FC236}">
+                <a16:creationId xmlns:a16="http://schemas.microsoft.com/office/drawing/2014/main" id="{9EBAB1FC-8022-F289-8938-6A8D2084F853}"/>
+              </a:ext>
+            </a:extLst>
+          </p:cNvPr>
+          <p:cNvSpPr/>
+          <p:nvPr/>
+        </p:nvSpPr>
+        <p:spPr>
+          <a:xfrm>
+            <a:off x="3985097" y="3098260"/>
+            <a:ext cx="4221804" cy="661480"/>
+          </a:xfrm>
+          <a:prstGeom prst="rect">
+            <a:avLst/>
+          </a:prstGeom>
+          <a:noFill/>
+          <a:ln>
+            <a:noFill/>
+          </a:ln>
+        </p:spPr>
+        <p:style>
+          <a:lnRef idx="2">
+            <a:schemeClr val="accent6"/>
+          </a:lnRef>
+          <a:fillRef idx="1">
+            <a:schemeClr val="lt1"/>
+          </a:fillRef>
+          <a:effectRef idx="0">
+            <a:schemeClr val="accent6"/>
+          </a:effectRef>
+          <a:fontRef idx="minor">
+            <a:schemeClr val="dk1"/>
+          </a:fontRef>
+        </p:style>
+        <p:txBody>
+          <a:bodyPr rtlCol="0" anchor="ctr"/>
+          <a:lstStyle/>
+          <a:p>
+            <a:pPr algn="ctr"/>
+            <a:r>
+              <a:rPr lang="en-US" sz="3200" dirty="0">
+                <a:solidFill>
+                  <a:srgbClr val="FF0000"/>
+                </a:solidFill>
+              </a:rPr>
+              <a:t>YOUR SCORE: 540km</a:t>
+            </a:r>
+            <a:endParaRPr lang="en-CH" sz="3200" dirty="0">
+              <a:solidFill>
+                <a:srgbClr val="FF0000"/>
+              </a:solidFill>
+            </a:endParaRPr>
+          </a:p>
+        </p:txBody>
+      </p:sp>
     </p:spTree>
     <p:extLst>
       <p:ext uri="{BB962C8B-B14F-4D97-AF65-F5344CB8AC3E}">
-        <p14:creationId xmlns:p14="http://schemas.microsoft.com/office/powerpoint/2010/main" val="2887820507"/>
+        <p14:creationId xmlns:p14="http://schemas.microsoft.com/office/powerpoint/2010/main" val="2270056448"/>
       </p:ext>
     </p:extLst>
   </p:cSld>
